--- a/MaterialUtil/GrafoGeneral.pptx
+++ b/MaterialUtil/GrafoGeneral.pptx
@@ -3097,7 +3097,7 @@
         </p:nvSpPr>
         <p:spPr>
           <a:xfrm>
-            <a:off x="2690759" y="5848949"/>
+            <a:off x="2781350" y="5422229"/>
             <a:ext cx="1296218" cy="1296218"/>
           </a:xfrm>
           <a:prstGeom prst="ellipse">
@@ -3152,13 +3152,14 @@
           <p:cNvCxnSpPr>
             <a:cxnSpLocks/>
             <a:stCxn id="10" idx="7"/>
+            <a:endCxn id="65" idx="3"/>
           </p:cNvCxnSpPr>
           <p:nvPr/>
         </p:nvCxnSpPr>
         <p:spPr>
           <a:xfrm flipV="1">
-            <a:off x="3797150" y="5411691"/>
-            <a:ext cx="779707" cy="627085"/>
+            <a:off x="3887741" y="4559049"/>
+            <a:ext cx="1020909" cy="1053007"/>
           </a:xfrm>
           <a:prstGeom prst="line">
             <a:avLst/>
@@ -3166,13 +3167,13 @@
         </p:spPr>
         <p:style>
           <a:lnRef idx="2">
-            <a:schemeClr val="dk1"/>
+            <a:schemeClr val="accent1"/>
           </a:lnRef>
           <a:fillRef idx="0">
-            <a:schemeClr val="dk1"/>
+            <a:schemeClr val="accent1"/>
           </a:fillRef>
           <a:effectRef idx="1">
-            <a:schemeClr val="dk1"/>
+            <a:schemeClr val="accent1"/>
           </a:effectRef>
           <a:fontRef idx="minor">
             <a:schemeClr val="tx1"/>
@@ -3191,13 +3192,14 @@
           <p:cNvCxnSpPr>
             <a:cxnSpLocks/>
             <a:stCxn id="10" idx="1"/>
+            <a:endCxn id="67" idx="5"/>
           </p:cNvCxnSpPr>
           <p:nvPr/>
         </p:nvCxnSpPr>
         <p:spPr>
           <a:xfrm flipH="1" flipV="1">
-            <a:off x="2281140" y="5411691"/>
-            <a:ext cx="599446" cy="627085"/>
+            <a:off x="1947628" y="4565168"/>
+            <a:ext cx="1023549" cy="1046888"/>
           </a:xfrm>
           <a:prstGeom prst="line">
             <a:avLst/>
@@ -3205,13 +3207,13 @@
         </p:spPr>
         <p:style>
           <a:lnRef idx="2">
-            <a:schemeClr val="dk1"/>
+            <a:schemeClr val="accent1"/>
           </a:lnRef>
           <a:fillRef idx="0">
-            <a:schemeClr val="dk1"/>
+            <a:schemeClr val="accent1"/>
           </a:fillRef>
           <a:effectRef idx="1">
-            <a:schemeClr val="dk1"/>
+            <a:schemeClr val="accent1"/>
           </a:effectRef>
           <a:fontRef idx="minor">
             <a:schemeClr val="tx1"/>
@@ -3230,13 +3232,14 @@
           <p:cNvCxnSpPr>
             <a:cxnSpLocks/>
             <a:stCxn id="10" idx="3"/>
+            <a:endCxn id="66" idx="6"/>
           </p:cNvCxnSpPr>
           <p:nvPr/>
         </p:nvCxnSpPr>
         <p:spPr>
           <a:xfrm flipH="1">
-            <a:off x="2281140" y="6955340"/>
-            <a:ext cx="599446" cy="627086"/>
+            <a:off x="2110320" y="6528620"/>
+            <a:ext cx="860857" cy="707817"/>
           </a:xfrm>
           <a:prstGeom prst="line">
             <a:avLst/>
@@ -3244,13 +3247,13 @@
         </p:spPr>
         <p:style>
           <a:lnRef idx="2">
-            <a:schemeClr val="dk1"/>
+            <a:schemeClr val="accent1"/>
           </a:lnRef>
           <a:fillRef idx="0">
-            <a:schemeClr val="dk1"/>
+            <a:schemeClr val="accent1"/>
           </a:fillRef>
           <a:effectRef idx="1">
-            <a:schemeClr val="dk1"/>
+            <a:schemeClr val="accent1"/>
           </a:effectRef>
           <a:fontRef idx="minor">
             <a:schemeClr val="tx1"/>
@@ -3269,13 +3272,14 @@
           <p:cNvCxnSpPr>
             <a:cxnSpLocks/>
             <a:stCxn id="10" idx="5"/>
+            <a:endCxn id="68" idx="2"/>
           </p:cNvCxnSpPr>
           <p:nvPr/>
         </p:nvCxnSpPr>
         <p:spPr>
           <a:xfrm>
-            <a:off x="3797150" y="6955340"/>
-            <a:ext cx="779707" cy="627086"/>
+            <a:off x="3887741" y="6528620"/>
+            <a:ext cx="859940" cy="707816"/>
           </a:xfrm>
           <a:prstGeom prst="line">
             <a:avLst/>
@@ -3283,250 +3287,13 @@
         </p:spPr>
         <p:style>
           <a:lnRef idx="2">
-            <a:schemeClr val="dk1"/>
+            <a:schemeClr val="accent1"/>
           </a:lnRef>
           <a:fillRef idx="0">
-            <a:schemeClr val="dk1"/>
+            <a:schemeClr val="accent1"/>
           </a:fillRef>
           <a:effectRef idx="1">
-            <a:schemeClr val="dk1"/>
-          </a:effectRef>
-          <a:fontRef idx="minor">
-            <a:schemeClr val="tx1"/>
-          </a:fontRef>
-        </p:style>
-      </p:cxnSp>
-      <p:cxnSp>
-        <p:nvCxnSpPr>
-          <p:cNvPr id="30" name="Conector recto 29">
-            <a:extLst>
-              <a:ext uri="{FF2B5EF4-FFF2-40B4-BE49-F238E27FC236}">
-                <a16:creationId xmlns:a16="http://schemas.microsoft.com/office/drawing/2014/main" id="{3385D442-7BE9-A468-3A5C-5BE6A0F83B31}"/>
-              </a:ext>
-            </a:extLst>
-          </p:cNvPr>
-          <p:cNvCxnSpPr>
-            <a:cxnSpLocks/>
-          </p:cNvCxnSpPr>
-          <p:nvPr/>
-        </p:nvCxnSpPr>
-        <p:spPr>
-          <a:xfrm>
-            <a:off x="4954691" y="5601518"/>
-            <a:ext cx="0" cy="1791081"/>
-          </a:xfrm>
-          <a:prstGeom prst="line">
-            <a:avLst/>
-          </a:prstGeom>
-        </p:spPr>
-        <p:style>
-          <a:lnRef idx="2">
-            <a:schemeClr val="dk1"/>
-          </a:lnRef>
-          <a:fillRef idx="0">
-            <a:schemeClr val="dk1"/>
-          </a:fillRef>
-          <a:effectRef idx="1">
-            <a:schemeClr val="dk1"/>
-          </a:effectRef>
-          <a:fontRef idx="minor">
-            <a:schemeClr val="tx1"/>
-          </a:fontRef>
-        </p:style>
-      </p:cxnSp>
-      <p:cxnSp>
-        <p:nvCxnSpPr>
-          <p:cNvPr id="32" name="Conector recto 31">
-            <a:extLst>
-              <a:ext uri="{FF2B5EF4-FFF2-40B4-BE49-F238E27FC236}">
-                <a16:creationId xmlns:a16="http://schemas.microsoft.com/office/drawing/2014/main" id="{6BB5C31F-A312-1D09-7810-5EB46F0B6D8B}"/>
-              </a:ext>
-            </a:extLst>
-          </p:cNvPr>
-          <p:cNvCxnSpPr>
-            <a:cxnSpLocks/>
-          </p:cNvCxnSpPr>
-          <p:nvPr/>
-        </p:nvCxnSpPr>
-        <p:spPr>
-          <a:xfrm>
-            <a:off x="2470967" y="8040708"/>
-            <a:ext cx="1916063" cy="0"/>
-          </a:xfrm>
-          <a:prstGeom prst="line">
-            <a:avLst/>
-          </a:prstGeom>
-        </p:spPr>
-        <p:style>
-          <a:lnRef idx="2">
-            <a:schemeClr val="dk1"/>
-          </a:lnRef>
-          <a:fillRef idx="0">
-            <a:schemeClr val="dk1"/>
-          </a:fillRef>
-          <a:effectRef idx="1">
-            <a:schemeClr val="dk1"/>
-          </a:effectRef>
-          <a:fontRef idx="minor">
-            <a:schemeClr val="tx1"/>
-          </a:fontRef>
-        </p:style>
-      </p:cxnSp>
-      <p:cxnSp>
-        <p:nvCxnSpPr>
-          <p:cNvPr id="34" name="Conector recto 33">
-            <a:extLst>
-              <a:ext uri="{FF2B5EF4-FFF2-40B4-BE49-F238E27FC236}">
-                <a16:creationId xmlns:a16="http://schemas.microsoft.com/office/drawing/2014/main" id="{64E25DEE-CD03-C794-094D-447FC0E84C25}"/>
-              </a:ext>
-            </a:extLst>
-          </p:cNvPr>
-          <p:cNvCxnSpPr>
-            <a:cxnSpLocks/>
-          </p:cNvCxnSpPr>
-          <p:nvPr/>
-        </p:nvCxnSpPr>
-        <p:spPr>
-          <a:xfrm>
-            <a:off x="1822858" y="5601518"/>
-            <a:ext cx="0" cy="1791081"/>
-          </a:xfrm>
-          <a:prstGeom prst="line">
-            <a:avLst/>
-          </a:prstGeom>
-        </p:spPr>
-        <p:style>
-          <a:lnRef idx="2">
-            <a:schemeClr val="dk1"/>
-          </a:lnRef>
-          <a:fillRef idx="0">
-            <a:schemeClr val="dk1"/>
-          </a:fillRef>
-          <a:effectRef idx="1">
-            <a:schemeClr val="dk1"/>
-          </a:effectRef>
-          <a:fontRef idx="minor">
-            <a:schemeClr val="tx1"/>
-          </a:fontRef>
-        </p:style>
-      </p:cxnSp>
-      <p:cxnSp>
-        <p:nvCxnSpPr>
-          <p:cNvPr id="36" name="Conector recto 35">
-            <a:extLst>
-              <a:ext uri="{FF2B5EF4-FFF2-40B4-BE49-F238E27FC236}">
-                <a16:creationId xmlns:a16="http://schemas.microsoft.com/office/drawing/2014/main" id="{5DE397A3-D586-5368-354E-B15E83BFA01D}"/>
-              </a:ext>
-            </a:extLst>
-          </p:cNvPr>
-          <p:cNvCxnSpPr>
-            <a:cxnSpLocks/>
-          </p:cNvCxnSpPr>
-          <p:nvPr/>
-        </p:nvCxnSpPr>
-        <p:spPr>
-          <a:xfrm>
-            <a:off x="2470967" y="4953409"/>
-            <a:ext cx="1916063" cy="0"/>
-          </a:xfrm>
-          <a:prstGeom prst="line">
-            <a:avLst/>
-          </a:prstGeom>
-        </p:spPr>
-        <p:style>
-          <a:lnRef idx="2">
-            <a:schemeClr val="dk1"/>
-          </a:lnRef>
-          <a:fillRef idx="0">
-            <a:schemeClr val="dk1"/>
-          </a:fillRef>
-          <a:effectRef idx="1">
-            <a:schemeClr val="dk1"/>
-          </a:effectRef>
-          <a:fontRef idx="minor">
-            <a:schemeClr val="tx1"/>
-          </a:fontRef>
-        </p:style>
-      </p:cxnSp>
-      <p:cxnSp>
-        <p:nvCxnSpPr>
-          <p:cNvPr id="59" name="Conector: angular 58">
-            <a:extLst>
-              <a:ext uri="{FF2B5EF4-FFF2-40B4-BE49-F238E27FC236}">
-                <a16:creationId xmlns:a16="http://schemas.microsoft.com/office/drawing/2014/main" id="{85A9094C-DD9B-6240-3428-E888324D79A4}"/>
-              </a:ext>
-            </a:extLst>
-          </p:cNvPr>
-          <p:cNvCxnSpPr>
-            <a:cxnSpLocks/>
-            <a:endCxn id="68" idx="4"/>
-          </p:cNvCxnSpPr>
-          <p:nvPr/>
-        </p:nvCxnSpPr>
-        <p:spPr>
-          <a:xfrm>
-            <a:off x="1174749" y="4953409"/>
-            <a:ext cx="3802867" cy="3724775"/>
-          </a:xfrm>
-          <a:prstGeom prst="bentConnector4">
-            <a:avLst>
-              <a:gd name="adj1" fmla="val -14626"/>
-              <a:gd name="adj2" fmla="val 106137"/>
-            </a:avLst>
-          </a:prstGeom>
-        </p:spPr>
-        <p:style>
-          <a:lnRef idx="2">
-            <a:schemeClr val="dk1"/>
-          </a:lnRef>
-          <a:fillRef idx="0">
-            <a:schemeClr val="dk1"/>
-          </a:fillRef>
-          <a:effectRef idx="1">
-            <a:schemeClr val="dk1"/>
-          </a:effectRef>
-          <a:fontRef idx="minor">
-            <a:schemeClr val="tx1"/>
-          </a:fontRef>
-        </p:style>
-      </p:cxnSp>
-      <p:cxnSp>
-        <p:nvCxnSpPr>
-          <p:cNvPr id="61" name="Conector: angular 60">
-            <a:extLst>
-              <a:ext uri="{FF2B5EF4-FFF2-40B4-BE49-F238E27FC236}">
-                <a16:creationId xmlns:a16="http://schemas.microsoft.com/office/drawing/2014/main" id="{6605964C-1007-B495-9462-910B9D1F9251}"/>
-              </a:ext>
-            </a:extLst>
-          </p:cNvPr>
-          <p:cNvCxnSpPr>
-            <a:cxnSpLocks/>
-            <a:stCxn id="66" idx="4"/>
-            <a:endCxn id="65" idx="6"/>
-          </p:cNvCxnSpPr>
-          <p:nvPr/>
-        </p:nvCxnSpPr>
-        <p:spPr>
-          <a:xfrm rot="5400000" flipH="1" flipV="1">
-            <a:off x="1845124" y="4931141"/>
-            <a:ext cx="3735408" cy="3779943"/>
-          </a:xfrm>
-          <a:prstGeom prst="bentConnector4">
-            <a:avLst>
-              <a:gd name="adj1" fmla="val -21760"/>
-              <a:gd name="adj2" fmla="val 106048"/>
-            </a:avLst>
-          </a:prstGeom>
-        </p:spPr>
-        <p:style>
-          <a:lnRef idx="2">
-            <a:schemeClr val="dk1"/>
-          </a:lnRef>
-          <a:fillRef idx="0">
-            <a:schemeClr val="dk1"/>
-          </a:fillRef>
-          <a:effectRef idx="1">
-            <a:schemeClr val="dk1"/>
+            <a:schemeClr val="accent1"/>
           </a:effectRef>
           <a:fontRef idx="minor">
             <a:schemeClr val="tx1"/>
@@ -3547,8 +3314,8 @@
         </p:nvSpPr>
         <p:spPr>
           <a:xfrm>
-            <a:off x="4306582" y="4305300"/>
-            <a:ext cx="1296218" cy="1296218"/>
+            <a:off x="4745957" y="3610803"/>
+            <a:ext cx="1110939" cy="1110939"/>
           </a:xfrm>
           <a:prstGeom prst="ellipse">
             <a:avLst/>
@@ -3619,8 +3386,8 @@
         </p:nvSpPr>
         <p:spPr>
           <a:xfrm>
-            <a:off x="1174748" y="7392599"/>
-            <a:ext cx="1296218" cy="1296218"/>
+            <a:off x="999381" y="6680967"/>
+            <a:ext cx="1110939" cy="1110939"/>
           </a:xfrm>
           <a:prstGeom prst="ellipse">
             <a:avLst/>
@@ -3691,8 +3458,8 @@
         </p:nvSpPr>
         <p:spPr>
           <a:xfrm>
-            <a:off x="1174748" y="4309652"/>
-            <a:ext cx="1296218" cy="1296218"/>
+            <a:off x="999382" y="3616922"/>
+            <a:ext cx="1110939" cy="1110939"/>
           </a:xfrm>
           <a:prstGeom prst="ellipse">
             <a:avLst/>
@@ -3763,8 +3530,8 @@
         </p:nvSpPr>
         <p:spPr>
           <a:xfrm>
-            <a:off x="4329507" y="7381966"/>
-            <a:ext cx="1296218" cy="1296218"/>
+            <a:off x="4747681" y="6680966"/>
+            <a:ext cx="1110939" cy="1110939"/>
           </a:xfrm>
           <a:prstGeom prst="ellipse">
             <a:avLst/>
@@ -3821,6 +3588,462 @@
           </a:p>
         </p:txBody>
       </p:sp>
+      <p:sp>
+        <p:nvSpPr>
+          <p:cNvPr id="4" name="Elipse 3">
+            <a:extLst>
+              <a:ext uri="{FF2B5EF4-FFF2-40B4-BE49-F238E27FC236}">
+                <a16:creationId xmlns:a16="http://schemas.microsoft.com/office/drawing/2014/main" id="{FDFD6584-2D77-E10A-A2A2-9BAC45C93A21}"/>
+              </a:ext>
+            </a:extLst>
+          </p:cNvPr>
+          <p:cNvSpPr/>
+          <p:nvPr/>
+        </p:nvSpPr>
+        <p:spPr>
+          <a:xfrm>
+            <a:off x="1096568" y="8130113"/>
+            <a:ext cx="916564" cy="916564"/>
+          </a:xfrm>
+          <a:prstGeom prst="ellipse">
+            <a:avLst/>
+          </a:prstGeom>
+          <a:solidFill>
+            <a:schemeClr val="bg1"/>
+          </a:solidFill>
+        </p:spPr>
+        <p:style>
+          <a:lnRef idx="2">
+            <a:schemeClr val="accent1">
+              <a:shade val="15000"/>
+            </a:schemeClr>
+          </a:lnRef>
+          <a:fillRef idx="1">
+            <a:schemeClr val="accent1"/>
+          </a:fillRef>
+          <a:effectRef idx="0">
+            <a:schemeClr val="accent1"/>
+          </a:effectRef>
+          <a:fontRef idx="minor">
+            <a:schemeClr val="lt1"/>
+          </a:fontRef>
+        </p:style>
+        <p:txBody>
+          <a:bodyPr rtlCol="0" anchor="ctr"/>
+          <a:lstStyle/>
+          <a:p>
+            <a:pPr algn="ctr"/>
+            <a:r>
+              <a:rPr lang="es-AR" sz="1100" dirty="0">
+                <a:solidFill>
+                  <a:schemeClr val="tx1"/>
+                </a:solidFill>
+              </a:rPr>
+              <a:t>Legajo</a:t>
+            </a:r>
+            <a:br>
+              <a:rPr lang="es-AR" sz="1100" dirty="0">
+                <a:solidFill>
+                  <a:schemeClr val="tx1"/>
+                </a:solidFill>
+              </a:rPr>
+            </a:br>
+            <a:r>
+              <a:rPr lang="es-AR" sz="1100" dirty="0">
+                <a:solidFill>
+                  <a:schemeClr val="tx1"/>
+                </a:solidFill>
+              </a:rPr>
+              <a:t>53022  </a:t>
+            </a:r>
+          </a:p>
+        </p:txBody>
+      </p:sp>
+      <p:sp>
+        <p:nvSpPr>
+          <p:cNvPr id="5" name="Elipse 4">
+            <a:extLst>
+              <a:ext uri="{FF2B5EF4-FFF2-40B4-BE49-F238E27FC236}">
+                <a16:creationId xmlns:a16="http://schemas.microsoft.com/office/drawing/2014/main" id="{3C441045-49F7-F82A-E622-E0A14F38D813}"/>
+              </a:ext>
+            </a:extLst>
+          </p:cNvPr>
+          <p:cNvSpPr/>
+          <p:nvPr/>
+        </p:nvSpPr>
+        <p:spPr>
+          <a:xfrm>
+            <a:off x="4843144" y="8130113"/>
+            <a:ext cx="916564" cy="916564"/>
+          </a:xfrm>
+          <a:prstGeom prst="ellipse">
+            <a:avLst/>
+          </a:prstGeom>
+          <a:solidFill>
+            <a:schemeClr val="bg1"/>
+          </a:solidFill>
+        </p:spPr>
+        <p:style>
+          <a:lnRef idx="2">
+            <a:schemeClr val="accent1">
+              <a:shade val="15000"/>
+            </a:schemeClr>
+          </a:lnRef>
+          <a:fillRef idx="1">
+            <a:schemeClr val="accent1"/>
+          </a:fillRef>
+          <a:effectRef idx="0">
+            <a:schemeClr val="accent1"/>
+          </a:effectRef>
+          <a:fontRef idx="minor">
+            <a:schemeClr val="lt1"/>
+          </a:fontRef>
+        </p:style>
+        <p:txBody>
+          <a:bodyPr rtlCol="0" anchor="ctr"/>
+          <a:lstStyle/>
+          <a:p>
+            <a:pPr algn="ctr"/>
+            <a:r>
+              <a:rPr lang="es-AR" sz="1100" dirty="0">
+                <a:solidFill>
+                  <a:schemeClr val="tx1"/>
+                </a:solidFill>
+              </a:rPr>
+              <a:t>Legajo</a:t>
+            </a:r>
+            <a:br>
+              <a:rPr lang="es-AR" sz="1100" dirty="0">
+                <a:solidFill>
+                  <a:schemeClr val="tx1"/>
+                </a:solidFill>
+              </a:rPr>
+            </a:br>
+            <a:r>
+              <a:rPr lang="es-AR" sz="1100" dirty="0">
+                <a:solidFill>
+                  <a:schemeClr val="tx1"/>
+                </a:solidFill>
+              </a:rPr>
+              <a:t>53234  </a:t>
+            </a:r>
+          </a:p>
+        </p:txBody>
+      </p:sp>
+      <p:sp>
+        <p:nvSpPr>
+          <p:cNvPr id="7" name="Elipse 6">
+            <a:extLst>
+              <a:ext uri="{FF2B5EF4-FFF2-40B4-BE49-F238E27FC236}">
+                <a16:creationId xmlns:a16="http://schemas.microsoft.com/office/drawing/2014/main" id="{EB4007E1-9281-420D-2C08-6943D5D8B3DA}"/>
+              </a:ext>
+            </a:extLst>
+          </p:cNvPr>
+          <p:cNvSpPr/>
+          <p:nvPr/>
+        </p:nvSpPr>
+        <p:spPr>
+          <a:xfrm>
+            <a:off x="1096569" y="5028486"/>
+            <a:ext cx="916564" cy="916564"/>
+          </a:xfrm>
+          <a:prstGeom prst="ellipse">
+            <a:avLst/>
+          </a:prstGeom>
+          <a:solidFill>
+            <a:schemeClr val="bg1"/>
+          </a:solidFill>
+        </p:spPr>
+        <p:style>
+          <a:lnRef idx="2">
+            <a:schemeClr val="accent1">
+              <a:shade val="15000"/>
+            </a:schemeClr>
+          </a:lnRef>
+          <a:fillRef idx="1">
+            <a:schemeClr val="accent1"/>
+          </a:fillRef>
+          <a:effectRef idx="0">
+            <a:schemeClr val="accent1"/>
+          </a:effectRef>
+          <a:fontRef idx="minor">
+            <a:schemeClr val="lt1"/>
+          </a:fontRef>
+        </p:style>
+        <p:txBody>
+          <a:bodyPr rtlCol="0" anchor="ctr"/>
+          <a:lstStyle/>
+          <a:p>
+            <a:pPr algn="ctr"/>
+            <a:r>
+              <a:rPr lang="es-AR" sz="1100" dirty="0">
+                <a:solidFill>
+                  <a:schemeClr val="tx1"/>
+                </a:solidFill>
+              </a:rPr>
+              <a:t>Legajo</a:t>
+            </a:r>
+            <a:br>
+              <a:rPr lang="es-AR" sz="1100" dirty="0">
+                <a:solidFill>
+                  <a:schemeClr val="tx1"/>
+                </a:solidFill>
+              </a:rPr>
+            </a:br>
+            <a:r>
+              <a:rPr lang="es-AR" sz="1100" dirty="0">
+                <a:solidFill>
+                  <a:schemeClr val="tx1"/>
+                </a:solidFill>
+              </a:rPr>
+              <a:t>933024  </a:t>
+            </a:r>
+          </a:p>
+        </p:txBody>
+      </p:sp>
+      <p:sp>
+        <p:nvSpPr>
+          <p:cNvPr id="8" name="Elipse 7">
+            <a:extLst>
+              <a:ext uri="{FF2B5EF4-FFF2-40B4-BE49-F238E27FC236}">
+                <a16:creationId xmlns:a16="http://schemas.microsoft.com/office/drawing/2014/main" id="{30749B2F-E4D0-38D4-F92E-6C18E6FAFF12}"/>
+              </a:ext>
+            </a:extLst>
+          </p:cNvPr>
+          <p:cNvSpPr/>
+          <p:nvPr/>
+        </p:nvSpPr>
+        <p:spPr>
+          <a:xfrm>
+            <a:off x="4843144" y="5028486"/>
+            <a:ext cx="916564" cy="916564"/>
+          </a:xfrm>
+          <a:prstGeom prst="ellipse">
+            <a:avLst/>
+          </a:prstGeom>
+          <a:solidFill>
+            <a:schemeClr val="bg1"/>
+          </a:solidFill>
+        </p:spPr>
+        <p:style>
+          <a:lnRef idx="2">
+            <a:schemeClr val="accent1">
+              <a:shade val="15000"/>
+            </a:schemeClr>
+          </a:lnRef>
+          <a:fillRef idx="1">
+            <a:schemeClr val="accent1"/>
+          </a:fillRef>
+          <a:effectRef idx="0">
+            <a:schemeClr val="accent1"/>
+          </a:effectRef>
+          <a:fontRef idx="minor">
+            <a:schemeClr val="lt1"/>
+          </a:fontRef>
+        </p:style>
+        <p:txBody>
+          <a:bodyPr rtlCol="0" anchor="ctr"/>
+          <a:lstStyle/>
+          <a:p>
+            <a:pPr algn="ctr"/>
+            <a:r>
+              <a:rPr lang="es-AR" sz="1100" dirty="0">
+                <a:solidFill>
+                  <a:schemeClr val="tx1"/>
+                </a:solidFill>
+              </a:rPr>
+              <a:t>Legajo</a:t>
+            </a:r>
+            <a:br>
+              <a:rPr lang="es-AR" sz="1100" dirty="0">
+                <a:solidFill>
+                  <a:schemeClr val="tx1"/>
+                </a:solidFill>
+              </a:rPr>
+            </a:br>
+            <a:r>
+              <a:rPr lang="es-AR" sz="1100" dirty="0">
+                <a:solidFill>
+                  <a:schemeClr val="tx1"/>
+                </a:solidFill>
+              </a:rPr>
+              <a:t>57053  </a:t>
+            </a:r>
+          </a:p>
+        </p:txBody>
+      </p:sp>
+      <p:cxnSp>
+        <p:nvCxnSpPr>
+          <p:cNvPr id="11" name="Conector recto de flecha 10">
+            <a:extLst>
+              <a:ext uri="{FF2B5EF4-FFF2-40B4-BE49-F238E27FC236}">
+                <a16:creationId xmlns:a16="http://schemas.microsoft.com/office/drawing/2014/main" id="{347F8912-4EF3-375A-E3C4-7E5DE922F155}"/>
+              </a:ext>
+            </a:extLst>
+          </p:cNvPr>
+          <p:cNvCxnSpPr>
+            <a:cxnSpLocks/>
+            <a:stCxn id="67" idx="4"/>
+            <a:endCxn id="7" idx="0"/>
+          </p:cNvCxnSpPr>
+          <p:nvPr/>
+        </p:nvCxnSpPr>
+        <p:spPr>
+          <a:xfrm flipH="1">
+            <a:off x="1554851" y="4727861"/>
+            <a:ext cx="1" cy="300625"/>
+          </a:xfrm>
+          <a:prstGeom prst="straightConnector1">
+            <a:avLst/>
+          </a:prstGeom>
+          <a:ln>
+            <a:tailEnd type="triangle"/>
+          </a:ln>
+        </p:spPr>
+        <p:style>
+          <a:lnRef idx="1">
+            <a:schemeClr val="accent1"/>
+          </a:lnRef>
+          <a:fillRef idx="0">
+            <a:schemeClr val="accent1"/>
+          </a:fillRef>
+          <a:effectRef idx="0">
+            <a:schemeClr val="accent1"/>
+          </a:effectRef>
+          <a:fontRef idx="minor">
+            <a:schemeClr val="tx1"/>
+          </a:fontRef>
+        </p:style>
+      </p:cxnSp>
+      <p:cxnSp>
+        <p:nvCxnSpPr>
+          <p:cNvPr id="13" name="Conector recto de flecha 12">
+            <a:extLst>
+              <a:ext uri="{FF2B5EF4-FFF2-40B4-BE49-F238E27FC236}">
+                <a16:creationId xmlns:a16="http://schemas.microsoft.com/office/drawing/2014/main" id="{D98169C5-FB41-29E9-E6F0-F77C283A4BDA}"/>
+              </a:ext>
+            </a:extLst>
+          </p:cNvPr>
+          <p:cNvCxnSpPr>
+            <a:cxnSpLocks/>
+            <a:stCxn id="65" idx="4"/>
+            <a:endCxn id="8" idx="0"/>
+          </p:cNvCxnSpPr>
+          <p:nvPr/>
+        </p:nvCxnSpPr>
+        <p:spPr>
+          <a:xfrm flipH="1">
+            <a:off x="5301426" y="4721742"/>
+            <a:ext cx="1" cy="306744"/>
+          </a:xfrm>
+          <a:prstGeom prst="straightConnector1">
+            <a:avLst/>
+          </a:prstGeom>
+          <a:ln>
+            <a:tailEnd type="triangle"/>
+          </a:ln>
+        </p:spPr>
+        <p:style>
+          <a:lnRef idx="1">
+            <a:schemeClr val="accent1"/>
+          </a:lnRef>
+          <a:fillRef idx="0">
+            <a:schemeClr val="accent1"/>
+          </a:fillRef>
+          <a:effectRef idx="0">
+            <a:schemeClr val="accent1"/>
+          </a:effectRef>
+          <a:fontRef idx="minor">
+            <a:schemeClr val="tx1"/>
+          </a:fontRef>
+        </p:style>
+      </p:cxnSp>
+      <p:cxnSp>
+        <p:nvCxnSpPr>
+          <p:cNvPr id="18" name="Conector recto de flecha 17">
+            <a:extLst>
+              <a:ext uri="{FF2B5EF4-FFF2-40B4-BE49-F238E27FC236}">
+                <a16:creationId xmlns:a16="http://schemas.microsoft.com/office/drawing/2014/main" id="{2C98FDDF-BC93-10DC-7D4B-E5920E658137}"/>
+              </a:ext>
+            </a:extLst>
+          </p:cNvPr>
+          <p:cNvCxnSpPr>
+            <a:cxnSpLocks/>
+            <a:stCxn id="68" idx="4"/>
+            <a:endCxn id="5" idx="0"/>
+          </p:cNvCxnSpPr>
+          <p:nvPr/>
+        </p:nvCxnSpPr>
+        <p:spPr>
+          <a:xfrm flipH="1">
+            <a:off x="5301426" y="7791905"/>
+            <a:ext cx="1725" cy="338208"/>
+          </a:xfrm>
+          <a:prstGeom prst="straightConnector1">
+            <a:avLst/>
+          </a:prstGeom>
+          <a:ln>
+            <a:tailEnd type="triangle"/>
+          </a:ln>
+        </p:spPr>
+        <p:style>
+          <a:lnRef idx="1">
+            <a:schemeClr val="accent1"/>
+          </a:lnRef>
+          <a:fillRef idx="0">
+            <a:schemeClr val="accent1"/>
+          </a:fillRef>
+          <a:effectRef idx="0">
+            <a:schemeClr val="accent1"/>
+          </a:effectRef>
+          <a:fontRef idx="minor">
+            <a:schemeClr val="tx1"/>
+          </a:fontRef>
+        </p:style>
+      </p:cxnSp>
+      <p:cxnSp>
+        <p:nvCxnSpPr>
+          <p:cNvPr id="21" name="Conector recto de flecha 20">
+            <a:extLst>
+              <a:ext uri="{FF2B5EF4-FFF2-40B4-BE49-F238E27FC236}">
+                <a16:creationId xmlns:a16="http://schemas.microsoft.com/office/drawing/2014/main" id="{DDB2043E-D972-CC8C-F35D-9A30D74B21C7}"/>
+              </a:ext>
+            </a:extLst>
+          </p:cNvPr>
+          <p:cNvCxnSpPr>
+            <a:cxnSpLocks/>
+            <a:stCxn id="66" idx="4"/>
+            <a:endCxn id="4" idx="0"/>
+          </p:cNvCxnSpPr>
+          <p:nvPr/>
+        </p:nvCxnSpPr>
+        <p:spPr>
+          <a:xfrm flipH="1">
+            <a:off x="1554850" y="7791906"/>
+            <a:ext cx="1" cy="338207"/>
+          </a:xfrm>
+          <a:prstGeom prst="straightConnector1">
+            <a:avLst/>
+          </a:prstGeom>
+          <a:ln>
+            <a:tailEnd type="triangle"/>
+          </a:ln>
+        </p:spPr>
+        <p:style>
+          <a:lnRef idx="1">
+            <a:schemeClr val="accent1"/>
+          </a:lnRef>
+          <a:fillRef idx="0">
+            <a:schemeClr val="accent1"/>
+          </a:fillRef>
+          <a:effectRef idx="0">
+            <a:schemeClr val="accent1"/>
+          </a:effectRef>
+          <a:fontRef idx="minor">
+            <a:schemeClr val="tx1"/>
+          </a:fontRef>
+        </p:style>
+      </p:cxnSp>
     </p:spTree>
     <p:extLst>
       <p:ext uri="{BB962C8B-B14F-4D97-AF65-F5344CB8AC3E}">
